--- a/Resources/RustTourAbbrev.pptx
+++ b/Resources/RustTourAbbrev.pptx
@@ -258,7 +258,7 @@
           <a:p>
             <a:fld id="{8B9DEAE6-0538-4445-AC69-E9546F37B6FF}" type="datetimeFigureOut">
               <a:rPr lang="en-US" smtClean="0"/>
-              <a:t>4/14/2020</a:t>
+              <a:t>4/18/2020</a:t>
             </a:fld>
             <a:endParaRPr lang="en-US"/>
           </a:p>
@@ -672,7 +672,7 @@
           <a:p>
             <a:fld id="{F59BA8CD-9D66-40F3-B663-5AE3FCC8E640}" type="datetime1">
               <a:rPr lang="en-US" smtClean="0"/>
-              <a:t>4/14/2020</a:t>
+              <a:t>4/18/2020</a:t>
             </a:fld>
             <a:endParaRPr lang="en-US"/>
           </a:p>
@@ -870,7 +870,7 @@
           <a:p>
             <a:fld id="{AE815081-8781-4CE2-BA8A-F30EB62592DB}" type="datetime1">
               <a:rPr lang="en-US" smtClean="0"/>
-              <a:t>4/14/2020</a:t>
+              <a:t>4/18/2020</a:t>
             </a:fld>
             <a:endParaRPr lang="en-US"/>
           </a:p>
@@ -1078,7 +1078,7 @@
           <a:p>
             <a:fld id="{1436B19E-3845-4454-9B00-81A37311B2DB}" type="datetime1">
               <a:rPr lang="en-US" smtClean="0"/>
-              <a:t>4/14/2020</a:t>
+              <a:t>4/18/2020</a:t>
             </a:fld>
             <a:endParaRPr lang="en-US"/>
           </a:p>
@@ -1286,7 +1286,7 @@
           <a:p>
             <a:fld id="{51BD0182-F02D-41FA-88F8-DAAE45FECD96}" type="datetime1">
               <a:rPr lang="en-US" smtClean="0"/>
-              <a:t>4/14/2020</a:t>
+              <a:t>4/18/2020</a:t>
             </a:fld>
             <a:endParaRPr lang="en-US"/>
           </a:p>
@@ -1566,7 +1566,7 @@
           <a:p>
             <a:fld id="{97DD5E3A-970B-45DB-AC65-C654B1C83769}" type="datetime1">
               <a:rPr lang="en-US" smtClean="0"/>
-              <a:t>4/14/2020</a:t>
+              <a:t>4/18/2020</a:t>
             </a:fld>
             <a:endParaRPr lang="en-US"/>
           </a:p>
@@ -1836,7 +1836,7 @@
           <a:p>
             <a:fld id="{A0C75F36-CE33-4D01-AEC1-8AE85EBDD5C0}" type="datetime1">
               <a:rPr lang="en-US" smtClean="0"/>
-              <a:t>4/14/2020</a:t>
+              <a:t>4/18/2020</a:t>
             </a:fld>
             <a:endParaRPr lang="en-US"/>
           </a:p>
@@ -2253,7 +2253,7 @@
           <a:p>
             <a:fld id="{2F12ED4E-FBDA-4929-861C-48D0B255396D}" type="datetime1">
               <a:rPr lang="en-US" smtClean="0"/>
-              <a:t>4/14/2020</a:t>
+              <a:t>4/18/2020</a:t>
             </a:fld>
             <a:endParaRPr lang="en-US"/>
           </a:p>
@@ -2399,7 +2399,7 @@
           <a:p>
             <a:fld id="{71274C8E-8698-45E5-8BD5-3125D835571A}" type="datetime1">
               <a:rPr lang="en-US" smtClean="0"/>
-              <a:t>4/14/2020</a:t>
+              <a:t>4/18/2020</a:t>
             </a:fld>
             <a:endParaRPr lang="en-US"/>
           </a:p>
@@ -2517,7 +2517,7 @@
           <a:p>
             <a:fld id="{EAAEADE5-9122-4DD1-9AF9-D9EE601260DA}" type="datetime1">
               <a:rPr lang="en-US" smtClean="0"/>
-              <a:t>4/14/2020</a:t>
+              <a:t>4/18/2020</a:t>
             </a:fld>
             <a:endParaRPr lang="en-US"/>
           </a:p>
@@ -2828,7 +2828,7 @@
           <a:p>
             <a:fld id="{AF0EE2CB-ACA5-4190-BF2E-27B23A7D63ED}" type="datetime1">
               <a:rPr lang="en-US" smtClean="0"/>
-              <a:t>4/14/2020</a:t>
+              <a:t>4/18/2020</a:t>
             </a:fld>
             <a:endParaRPr lang="en-US"/>
           </a:p>
@@ -3116,7 +3116,7 @@
           <a:p>
             <a:fld id="{8071D197-35A9-4BC6-A7E3-13AE8964F43E}" type="datetime1">
               <a:rPr lang="en-US" smtClean="0"/>
-              <a:t>4/14/2020</a:t>
+              <a:t>4/18/2020</a:t>
             </a:fld>
             <a:endParaRPr lang="en-US"/>
           </a:p>
@@ -3357,7 +3357,7 @@
           <a:p>
             <a:fld id="{A6174D4B-69CC-457D-9299-B97313C54882}" type="datetime1">
               <a:rPr lang="en-US" smtClean="0"/>
-              <a:t>4/14/2020</a:t>
+              <a:t>4/18/2020</a:t>
             </a:fld>
             <a:endParaRPr lang="en-US"/>
           </a:p>
@@ -7999,7 +7999,7 @@
                 </a:solidFill>
                 <a:latin typeface="Consolas" panose="020B0609020204030204" pitchFamily="49" charset="0"/>
               </a:rPr>
-              <a:t>let r1: &amp;mut String = &amp;mut s;</a:t>
+              <a:t>let mut r1: &amp;String = &amp;mut s;</a:t>
             </a:r>
           </a:p>
           <a:p>
@@ -8011,7 +8011,7 @@
                 </a:solidFill>
                 <a:latin typeface="Consolas" panose="020B0609020204030204" pitchFamily="49" charset="0"/>
               </a:rPr>
-              <a:t>// let r2: &amp;mut String = &amp;mut s;    // won’t compile</a:t>
+              <a:t>// let mut r2: &amp;String = &amp;mut s;    // won’t compile</a:t>
             </a:r>
           </a:p>
           <a:p>
@@ -8298,7 +8298,7 @@
                 </a:solidFill>
                 <a:latin typeface="Consolas" panose="020B0609020204030204" pitchFamily="49" charset="0"/>
               </a:rPr>
-              <a:t>Let r3 = &amp;mut z;  </a:t>
+              <a:t>Let mut r3 = &amp;z;  </a:t>
             </a:r>
             <a:r>
               <a:rPr lang="en-US" dirty="0"/>

--- a/Resources/RustTourAbbrev.pptx
+++ b/Resources/RustTourAbbrev.pptx
@@ -258,7 +258,7 @@
           <a:p>
             <a:fld id="{8B9DEAE6-0538-4445-AC69-E9546F37B6FF}" type="datetimeFigureOut">
               <a:rPr lang="en-US" smtClean="0"/>
-              <a:t>4/18/2020</a:t>
+              <a:t>12/17/2022</a:t>
             </a:fld>
             <a:endParaRPr lang="en-US"/>
           </a:p>
@@ -672,7 +672,7 @@
           <a:p>
             <a:fld id="{F59BA8CD-9D66-40F3-B663-5AE3FCC8E640}" type="datetime1">
               <a:rPr lang="en-US" smtClean="0"/>
-              <a:t>4/18/2020</a:t>
+              <a:t>12/17/2022</a:t>
             </a:fld>
             <a:endParaRPr lang="en-US"/>
           </a:p>
@@ -870,7 +870,7 @@
           <a:p>
             <a:fld id="{AE815081-8781-4CE2-BA8A-F30EB62592DB}" type="datetime1">
               <a:rPr lang="en-US" smtClean="0"/>
-              <a:t>4/18/2020</a:t>
+              <a:t>12/17/2022</a:t>
             </a:fld>
             <a:endParaRPr lang="en-US"/>
           </a:p>
@@ -1078,7 +1078,7 @@
           <a:p>
             <a:fld id="{1436B19E-3845-4454-9B00-81A37311B2DB}" type="datetime1">
               <a:rPr lang="en-US" smtClean="0"/>
-              <a:t>4/18/2020</a:t>
+              <a:t>12/17/2022</a:t>
             </a:fld>
             <a:endParaRPr lang="en-US"/>
           </a:p>
@@ -1286,7 +1286,7 @@
           <a:p>
             <a:fld id="{51BD0182-F02D-41FA-88F8-DAAE45FECD96}" type="datetime1">
               <a:rPr lang="en-US" smtClean="0"/>
-              <a:t>4/18/2020</a:t>
+              <a:t>12/17/2022</a:t>
             </a:fld>
             <a:endParaRPr lang="en-US"/>
           </a:p>
@@ -1566,7 +1566,7 @@
           <a:p>
             <a:fld id="{97DD5E3A-970B-45DB-AC65-C654B1C83769}" type="datetime1">
               <a:rPr lang="en-US" smtClean="0"/>
-              <a:t>4/18/2020</a:t>
+              <a:t>12/17/2022</a:t>
             </a:fld>
             <a:endParaRPr lang="en-US"/>
           </a:p>
@@ -1836,7 +1836,7 @@
           <a:p>
             <a:fld id="{A0C75F36-CE33-4D01-AEC1-8AE85EBDD5C0}" type="datetime1">
               <a:rPr lang="en-US" smtClean="0"/>
-              <a:t>4/18/2020</a:t>
+              <a:t>12/17/2022</a:t>
             </a:fld>
             <a:endParaRPr lang="en-US"/>
           </a:p>
@@ -2253,7 +2253,7 @@
           <a:p>
             <a:fld id="{2F12ED4E-FBDA-4929-861C-48D0B255396D}" type="datetime1">
               <a:rPr lang="en-US" smtClean="0"/>
-              <a:t>4/18/2020</a:t>
+              <a:t>12/17/2022</a:t>
             </a:fld>
             <a:endParaRPr lang="en-US"/>
           </a:p>
@@ -2399,7 +2399,7 @@
           <a:p>
             <a:fld id="{71274C8E-8698-45E5-8BD5-3125D835571A}" type="datetime1">
               <a:rPr lang="en-US" smtClean="0"/>
-              <a:t>4/18/2020</a:t>
+              <a:t>12/17/2022</a:t>
             </a:fld>
             <a:endParaRPr lang="en-US"/>
           </a:p>
@@ -2517,7 +2517,7 @@
           <a:p>
             <a:fld id="{EAAEADE5-9122-4DD1-9AF9-D9EE601260DA}" type="datetime1">
               <a:rPr lang="en-US" smtClean="0"/>
-              <a:t>4/18/2020</a:t>
+              <a:t>12/17/2022</a:t>
             </a:fld>
             <a:endParaRPr lang="en-US"/>
           </a:p>
@@ -2828,7 +2828,7 @@
           <a:p>
             <a:fld id="{AF0EE2CB-ACA5-4190-BF2E-27B23A7D63ED}" type="datetime1">
               <a:rPr lang="en-US" smtClean="0"/>
-              <a:t>4/18/2020</a:t>
+              <a:t>12/17/2022</a:t>
             </a:fld>
             <a:endParaRPr lang="en-US"/>
           </a:p>
@@ -3116,7 +3116,7 @@
           <a:p>
             <a:fld id="{8071D197-35A9-4BC6-A7E3-13AE8964F43E}" type="datetime1">
               <a:rPr lang="en-US" smtClean="0"/>
-              <a:t>4/18/2020</a:t>
+              <a:t>12/17/2022</a:t>
             </a:fld>
             <a:endParaRPr lang="en-US"/>
           </a:p>
@@ -3357,7 +3357,7 @@
           <a:p>
             <a:fld id="{A6174D4B-69CC-457D-9299-B97313C54882}" type="datetime1">
               <a:rPr lang="en-US" smtClean="0"/>
-              <a:t>4/18/2020</a:t>
+              <a:t>12/17/2022</a:t>
             </a:fld>
             <a:endParaRPr lang="en-US"/>
           </a:p>
@@ -5610,8 +5610,12 @@
           <a:p>
             <a:pPr lvl="1"/>
             <a:r>
-              <a:rPr lang="en-US" dirty="0"/>
-              <a:t>Values are, by default, immutable, but can be made mutable</a:t>
+              <a:rPr lang="en-US"/>
+              <a:t>Variables </a:t>
+            </a:r>
+            <a:r>
+              <a:rPr lang="en-US" dirty="0"/>
+              <a:t>are, by default, immutable, but can be made mutable</a:t>
             </a:r>
           </a:p>
           <a:p>
